--- a/Lesson1.pptx
+++ b/Lesson1.pptx
@@ -208,7 +208,7 @@
           <a:p>
             <a:fld id="{B3E85FA4-0BF1-4624-B558-8D6F7C4705DF}" type="datetimeFigureOut">
               <a:rPr lang="en-US" smtClean="0"/>
-              <a:t>9/25/2012</a:t>
+              <a:t>5/8/2013</a:t>
             </a:fld>
             <a:endParaRPr lang="en-US"/>
           </a:p>
@@ -522,11 +522,883 @@
           <a:p>
             <a:r>
               <a:rPr lang="en-US" dirty="0" smtClean="0"/>
+              <a:t>You’ll find more than this in the typical HTML page but this is how everything</a:t>
+            </a:r>
+            <a:r>
+              <a:rPr lang="en-US" baseline="0" dirty="0" smtClean="0"/>
+              <a:t> really starts.</a:t>
+            </a:r>
+            <a:endParaRPr lang="en-US" dirty="0" smtClean="0"/>
+          </a:p>
+        </p:txBody>
+      </p:sp>
+      <p:sp>
+        <p:nvSpPr>
+          <p:cNvPr id="4" name="Slide Number Placeholder 3"/>
+          <p:cNvSpPr>
+            <a:spLocks noGrp="1"/>
+          </p:cNvSpPr>
+          <p:nvPr>
+            <p:ph type="sldNum" sz="quarter" idx="10"/>
+          </p:nvPr>
+        </p:nvSpPr>
+        <p:spPr/>
+        <p:txBody>
+          <a:bodyPr/>
+          <a:lstStyle/>
+          <a:p>
+            <a:fld id="{09332B92-F500-4945-B331-B8D2C13E00CA}" type="slidenum">
+              <a:rPr lang="en-US" smtClean="0"/>
+              <a:t>2</a:t>
+            </a:fld>
+            <a:endParaRPr lang="en-US"/>
+          </a:p>
+        </p:txBody>
+      </p:sp>
+    </p:spTree>
+    <p:extLst>
+      <p:ext uri="{BB962C8B-B14F-4D97-AF65-F5344CB8AC3E}">
+        <p14:creationId xmlns:p14="http://schemas.microsoft.com/office/powerpoint/2010/main" val="852794355"/>
+      </p:ext>
+    </p:extLst>
+  </p:cSld>
+  <p:clrMapOvr>
+    <a:masterClrMapping/>
+  </p:clrMapOvr>
+</p:notes>
+</file>
+
+<file path=ppt/notesSlides/notesSlide10.xml><?xml version="1.0" encoding="utf-8"?>
+<p:notes xmlns:a="http://schemas.openxmlformats.org/drawingml/2006/main" xmlns:r="http://schemas.openxmlformats.org/officeDocument/2006/relationships" xmlns:p="http://schemas.openxmlformats.org/presentationml/2006/main">
+  <p:cSld>
+    <p:spTree>
+      <p:nvGrpSpPr>
+        <p:cNvPr id="1" name=""/>
+        <p:cNvGrpSpPr/>
+        <p:nvPr/>
+      </p:nvGrpSpPr>
+      <p:grpSpPr>
+        <a:xfrm>
+          <a:off x="0" y="0"/>
+          <a:ext cx="0" cy="0"/>
+          <a:chOff x="0" y="0"/>
+          <a:chExt cx="0" cy="0"/>
+        </a:xfrm>
+      </p:grpSpPr>
+      <p:sp>
+        <p:nvSpPr>
+          <p:cNvPr id="2" name="Slide Image Placeholder 1"/>
+          <p:cNvSpPr>
+            <a:spLocks noGrp="1" noRot="1" noChangeAspect="1"/>
+          </p:cNvSpPr>
+          <p:nvPr>
+            <p:ph type="sldImg"/>
+          </p:nvPr>
+        </p:nvSpPr>
+        <p:spPr/>
+      </p:sp>
+      <p:sp>
+        <p:nvSpPr>
+          <p:cNvPr id="3" name="Notes Placeholder 2"/>
+          <p:cNvSpPr>
+            <a:spLocks noGrp="1"/>
+          </p:cNvSpPr>
+          <p:nvPr>
+            <p:ph type="body" idx="1"/>
+          </p:nvPr>
+        </p:nvSpPr>
+        <p:spPr/>
+        <p:txBody>
+          <a:bodyPr/>
+          <a:lstStyle/>
+          <a:p>
+            <a:r>
+              <a:rPr lang="en-US" dirty="0" smtClean="0"/>
+              <a:t>Here’s a whole</a:t>
+            </a:r>
+            <a:r>
+              <a:rPr lang="en-US" baseline="0" dirty="0" smtClean="0"/>
+              <a:t> bunch of base variables you’re going to see in the first lesson</a:t>
+            </a:r>
+            <a:endParaRPr lang="en-US" dirty="0"/>
+          </a:p>
+        </p:txBody>
+      </p:sp>
+      <p:sp>
+        <p:nvSpPr>
+          <p:cNvPr id="4" name="Slide Number Placeholder 3"/>
+          <p:cNvSpPr>
+            <a:spLocks noGrp="1"/>
+          </p:cNvSpPr>
+          <p:nvPr>
+            <p:ph type="sldNum" sz="quarter" idx="10"/>
+          </p:nvPr>
+        </p:nvSpPr>
+        <p:spPr/>
+        <p:txBody>
+          <a:bodyPr/>
+          <a:lstStyle/>
+          <a:p>
+            <a:fld id="{09332B92-F500-4945-B331-B8D2C13E00CA}" type="slidenum">
+              <a:rPr lang="en-US" smtClean="0"/>
+              <a:t>12</a:t>
+            </a:fld>
+            <a:endParaRPr lang="en-US"/>
+          </a:p>
+        </p:txBody>
+      </p:sp>
+    </p:spTree>
+    <p:extLst>
+      <p:ext uri="{BB962C8B-B14F-4D97-AF65-F5344CB8AC3E}">
+        <p14:creationId xmlns:p14="http://schemas.microsoft.com/office/powerpoint/2010/main" val="1278017038"/>
+      </p:ext>
+    </p:extLst>
+  </p:cSld>
+  <p:clrMapOvr>
+    <a:masterClrMapping/>
+  </p:clrMapOvr>
+</p:notes>
+</file>
+
+<file path=ppt/notesSlides/notesSlide11.xml><?xml version="1.0" encoding="utf-8"?>
+<p:notes xmlns:a="http://schemas.openxmlformats.org/drawingml/2006/main" xmlns:r="http://schemas.openxmlformats.org/officeDocument/2006/relationships" xmlns:p="http://schemas.openxmlformats.org/presentationml/2006/main">
+  <p:cSld>
+    <p:spTree>
+      <p:nvGrpSpPr>
+        <p:cNvPr id="1" name=""/>
+        <p:cNvGrpSpPr/>
+        <p:nvPr/>
+      </p:nvGrpSpPr>
+      <p:grpSpPr>
+        <a:xfrm>
+          <a:off x="0" y="0"/>
+          <a:ext cx="0" cy="0"/>
+          <a:chOff x="0" y="0"/>
+          <a:chExt cx="0" cy="0"/>
+        </a:xfrm>
+      </p:grpSpPr>
+      <p:sp>
+        <p:nvSpPr>
+          <p:cNvPr id="2" name="Slide Image Placeholder 1"/>
+          <p:cNvSpPr>
+            <a:spLocks noGrp="1" noRot="1" noChangeAspect="1"/>
+          </p:cNvSpPr>
+          <p:nvPr>
+            <p:ph type="sldImg"/>
+          </p:nvPr>
+        </p:nvSpPr>
+        <p:spPr/>
+      </p:sp>
+      <p:sp>
+        <p:nvSpPr>
+          <p:cNvPr id="3" name="Notes Placeholder 2"/>
+          <p:cNvSpPr>
+            <a:spLocks noGrp="1"/>
+          </p:cNvSpPr>
+          <p:nvPr>
+            <p:ph type="body" idx="1"/>
+          </p:nvPr>
+        </p:nvSpPr>
+        <p:spPr/>
+        <p:txBody>
+          <a:bodyPr/>
+          <a:lstStyle/>
+          <a:p>
+            <a:r>
+              <a:rPr lang="en-US" dirty="0" smtClean="0"/>
+              <a:t>Put them all together into an HTML like this, and you’ll get a cool graph attached to your marker</a:t>
+            </a:r>
+            <a:endParaRPr lang="en-US" dirty="0"/>
+          </a:p>
+        </p:txBody>
+      </p:sp>
+      <p:sp>
+        <p:nvSpPr>
+          <p:cNvPr id="4" name="Slide Number Placeholder 3"/>
+          <p:cNvSpPr>
+            <a:spLocks noGrp="1"/>
+          </p:cNvSpPr>
+          <p:nvPr>
+            <p:ph type="sldNum" sz="quarter" idx="10"/>
+          </p:nvPr>
+        </p:nvSpPr>
+        <p:spPr/>
+        <p:txBody>
+          <a:bodyPr/>
+          <a:lstStyle/>
+          <a:p>
+            <a:fld id="{09332B92-F500-4945-B331-B8D2C13E00CA}" type="slidenum">
+              <a:rPr lang="en-US" smtClean="0"/>
+              <a:t>13</a:t>
+            </a:fld>
+            <a:endParaRPr lang="en-US"/>
+          </a:p>
+        </p:txBody>
+      </p:sp>
+    </p:spTree>
+    <p:extLst>
+      <p:ext uri="{BB962C8B-B14F-4D97-AF65-F5344CB8AC3E}">
+        <p14:creationId xmlns:p14="http://schemas.microsoft.com/office/powerpoint/2010/main" val="1609545626"/>
+      </p:ext>
+    </p:extLst>
+  </p:cSld>
+  <p:clrMapOvr>
+    <a:masterClrMapping/>
+  </p:clrMapOvr>
+</p:notes>
+</file>
+
+<file path=ppt/notesSlides/notesSlide12.xml><?xml version="1.0" encoding="utf-8"?>
+<p:notes xmlns:a="http://schemas.openxmlformats.org/drawingml/2006/main" xmlns:r="http://schemas.openxmlformats.org/officeDocument/2006/relationships" xmlns:p="http://schemas.openxmlformats.org/presentationml/2006/main">
+  <p:cSld>
+    <p:spTree>
+      <p:nvGrpSpPr>
+        <p:cNvPr id="1" name=""/>
+        <p:cNvGrpSpPr/>
+        <p:nvPr/>
+      </p:nvGrpSpPr>
+      <p:grpSpPr>
+        <a:xfrm>
+          <a:off x="0" y="0"/>
+          <a:ext cx="0" cy="0"/>
+          <a:chOff x="0" y="0"/>
+          <a:chExt cx="0" cy="0"/>
+        </a:xfrm>
+      </p:grpSpPr>
+      <p:sp>
+        <p:nvSpPr>
+          <p:cNvPr id="2" name="Slide Image Placeholder 1"/>
+          <p:cNvSpPr>
+            <a:spLocks noGrp="1" noRot="1" noChangeAspect="1"/>
+          </p:cNvSpPr>
+          <p:nvPr>
+            <p:ph type="sldImg"/>
+          </p:nvPr>
+        </p:nvSpPr>
+        <p:spPr/>
+      </p:sp>
+      <p:sp>
+        <p:nvSpPr>
+          <p:cNvPr id="3" name="Notes Placeholder 2"/>
+          <p:cNvSpPr>
+            <a:spLocks noGrp="1"/>
+          </p:cNvSpPr>
+          <p:nvPr>
+            <p:ph type="body" idx="1"/>
+          </p:nvPr>
+        </p:nvSpPr>
+        <p:spPr/>
+        <p:txBody>
+          <a:bodyPr/>
+          <a:lstStyle/>
+          <a:p>
+            <a:r>
+              <a:rPr lang="en-US" dirty="0" smtClean="0"/>
+              <a:t>When you are copying and pasting data from the Word docs, keep your eye out for</a:t>
+            </a:r>
+            <a:r>
+              <a:rPr lang="en-US" baseline="0" dirty="0" smtClean="0"/>
+              <a:t> line and page breaks. If too many get embedded in the code, you’re hosed.</a:t>
+            </a:r>
+            <a:endParaRPr lang="en-US" dirty="0"/>
+          </a:p>
+        </p:txBody>
+      </p:sp>
+      <p:sp>
+        <p:nvSpPr>
+          <p:cNvPr id="4" name="Slide Number Placeholder 3"/>
+          <p:cNvSpPr>
+            <a:spLocks noGrp="1"/>
+          </p:cNvSpPr>
+          <p:nvPr>
+            <p:ph type="sldNum" sz="quarter" idx="10"/>
+          </p:nvPr>
+        </p:nvSpPr>
+        <p:spPr/>
+        <p:txBody>
+          <a:bodyPr/>
+          <a:lstStyle/>
+          <a:p>
+            <a:fld id="{09332B92-F500-4945-B331-B8D2C13E00CA}" type="slidenum">
+              <a:rPr lang="en-US" smtClean="0"/>
+              <a:t>14</a:t>
+            </a:fld>
+            <a:endParaRPr lang="en-US"/>
+          </a:p>
+        </p:txBody>
+      </p:sp>
+    </p:spTree>
+    <p:extLst>
+      <p:ext uri="{BB962C8B-B14F-4D97-AF65-F5344CB8AC3E}">
+        <p14:creationId xmlns:p14="http://schemas.microsoft.com/office/powerpoint/2010/main" val="1096233052"/>
+      </p:ext>
+    </p:extLst>
+  </p:cSld>
+  <p:clrMapOvr>
+    <a:masterClrMapping/>
+  </p:clrMapOvr>
+</p:notes>
+</file>
+
+<file path=ppt/notesSlides/notesSlide13.xml><?xml version="1.0" encoding="utf-8"?>
+<p:notes xmlns:a="http://schemas.openxmlformats.org/drawingml/2006/main" xmlns:r="http://schemas.openxmlformats.org/officeDocument/2006/relationships" xmlns:p="http://schemas.openxmlformats.org/presentationml/2006/main">
+  <p:cSld>
+    <p:spTree>
+      <p:nvGrpSpPr>
+        <p:cNvPr id="1" name=""/>
+        <p:cNvGrpSpPr/>
+        <p:nvPr/>
+      </p:nvGrpSpPr>
+      <p:grpSpPr>
+        <a:xfrm>
+          <a:off x="0" y="0"/>
+          <a:ext cx="0" cy="0"/>
+          <a:chOff x="0" y="0"/>
+          <a:chExt cx="0" cy="0"/>
+        </a:xfrm>
+      </p:grpSpPr>
+      <p:sp>
+        <p:nvSpPr>
+          <p:cNvPr id="2" name="Slide Image Placeholder 1"/>
+          <p:cNvSpPr>
+            <a:spLocks noGrp="1" noRot="1" noChangeAspect="1"/>
+          </p:cNvSpPr>
+          <p:nvPr>
+            <p:ph type="sldImg"/>
+          </p:nvPr>
+        </p:nvSpPr>
+        <p:spPr/>
+      </p:sp>
+      <p:sp>
+        <p:nvSpPr>
+          <p:cNvPr id="3" name="Notes Placeholder 2"/>
+          <p:cNvSpPr>
+            <a:spLocks noGrp="1"/>
+          </p:cNvSpPr>
+          <p:nvPr>
+            <p:ph type="body" idx="1"/>
+          </p:nvPr>
+        </p:nvSpPr>
+        <p:spPr/>
+        <p:txBody>
+          <a:bodyPr/>
+          <a:lstStyle/>
+          <a:p>
+            <a:r>
+              <a:rPr lang="en-US" dirty="0" smtClean="0"/>
+              <a:t>This is how we step through</a:t>
+            </a:r>
+            <a:r>
+              <a:rPr lang="en-US" baseline="0" dirty="0" smtClean="0"/>
+              <a:t> the exercise.</a:t>
+            </a:r>
+            <a:endParaRPr lang="en-US" dirty="0"/>
+          </a:p>
+        </p:txBody>
+      </p:sp>
+      <p:sp>
+        <p:nvSpPr>
+          <p:cNvPr id="4" name="Slide Number Placeholder 3"/>
+          <p:cNvSpPr>
+            <a:spLocks noGrp="1"/>
+          </p:cNvSpPr>
+          <p:nvPr>
+            <p:ph type="sldNum" sz="quarter" idx="10"/>
+          </p:nvPr>
+        </p:nvSpPr>
+        <p:spPr/>
+        <p:txBody>
+          <a:bodyPr/>
+          <a:lstStyle/>
+          <a:p>
+            <a:fld id="{09332B92-F500-4945-B331-B8D2C13E00CA}" type="slidenum">
+              <a:rPr lang="en-US" smtClean="0"/>
+              <a:t>15</a:t>
+            </a:fld>
+            <a:endParaRPr lang="en-US"/>
+          </a:p>
+        </p:txBody>
+      </p:sp>
+    </p:spTree>
+    <p:extLst>
+      <p:ext uri="{BB962C8B-B14F-4D97-AF65-F5344CB8AC3E}">
+        <p14:creationId xmlns:p14="http://schemas.microsoft.com/office/powerpoint/2010/main" val="1480008932"/>
+      </p:ext>
+    </p:extLst>
+  </p:cSld>
+  <p:clrMapOvr>
+    <a:masterClrMapping/>
+  </p:clrMapOvr>
+</p:notes>
+</file>
+
+<file path=ppt/notesSlides/notesSlide14.xml><?xml version="1.0" encoding="utf-8"?>
+<p:notes xmlns:a="http://schemas.openxmlformats.org/drawingml/2006/main" xmlns:r="http://schemas.openxmlformats.org/officeDocument/2006/relationships" xmlns:p="http://schemas.openxmlformats.org/presentationml/2006/main">
+  <p:cSld>
+    <p:spTree>
+      <p:nvGrpSpPr>
+        <p:cNvPr id="1" name=""/>
+        <p:cNvGrpSpPr/>
+        <p:nvPr/>
+      </p:nvGrpSpPr>
+      <p:grpSpPr>
+        <a:xfrm>
+          <a:off x="0" y="0"/>
+          <a:ext cx="0" cy="0"/>
+          <a:chOff x="0" y="0"/>
+          <a:chExt cx="0" cy="0"/>
+        </a:xfrm>
+      </p:grpSpPr>
+      <p:sp>
+        <p:nvSpPr>
+          <p:cNvPr id="2" name="Slide Image Placeholder 1"/>
+          <p:cNvSpPr>
+            <a:spLocks noGrp="1" noRot="1" noChangeAspect="1"/>
+          </p:cNvSpPr>
+          <p:nvPr>
+            <p:ph type="sldImg"/>
+          </p:nvPr>
+        </p:nvSpPr>
+        <p:spPr/>
+      </p:sp>
+      <p:sp>
+        <p:nvSpPr>
+          <p:cNvPr id="3" name="Notes Placeholder 2"/>
+          <p:cNvSpPr>
+            <a:spLocks noGrp="1"/>
+          </p:cNvSpPr>
+          <p:nvPr>
+            <p:ph type="body" idx="1"/>
+          </p:nvPr>
+        </p:nvSpPr>
+        <p:spPr/>
+        <p:txBody>
+          <a:bodyPr/>
+          <a:lstStyle/>
+          <a:p>
+            <a:r>
+              <a:rPr lang="en-US" dirty="0" smtClean="0"/>
+              <a:t>Use this web</a:t>
+            </a:r>
+            <a:r>
+              <a:rPr lang="en-US" baseline="0" dirty="0" smtClean="0"/>
+              <a:t> page to find the </a:t>
+            </a:r>
+            <a:r>
+              <a:rPr lang="en-US" baseline="0" smtClean="0"/>
+              <a:t>stream gage(s) </a:t>
+            </a:r>
+            <a:r>
+              <a:rPr lang="en-US" baseline="0" dirty="0" smtClean="0"/>
+              <a:t>you might </a:t>
+            </a:r>
+            <a:r>
+              <a:rPr lang="en-US" baseline="0" smtClean="0"/>
+              <a:t>be interested in</a:t>
+            </a:r>
+            <a:endParaRPr lang="en-US"/>
+          </a:p>
+        </p:txBody>
+      </p:sp>
+      <p:sp>
+        <p:nvSpPr>
+          <p:cNvPr id="4" name="Slide Number Placeholder 3"/>
+          <p:cNvSpPr>
+            <a:spLocks noGrp="1"/>
+          </p:cNvSpPr>
+          <p:nvPr>
+            <p:ph type="sldNum" sz="quarter" idx="10"/>
+          </p:nvPr>
+        </p:nvSpPr>
+        <p:spPr/>
+        <p:txBody>
+          <a:bodyPr/>
+          <a:lstStyle/>
+          <a:p>
+            <a:fld id="{09332B92-F500-4945-B331-B8D2C13E00CA}" type="slidenum">
+              <a:rPr lang="en-US" smtClean="0"/>
+              <a:t>17</a:t>
+            </a:fld>
+            <a:endParaRPr lang="en-US"/>
+          </a:p>
+        </p:txBody>
+      </p:sp>
+    </p:spTree>
+    <p:extLst>
+      <p:ext uri="{BB962C8B-B14F-4D97-AF65-F5344CB8AC3E}">
+        <p14:creationId xmlns:p14="http://schemas.microsoft.com/office/powerpoint/2010/main" val="3468032512"/>
+      </p:ext>
+    </p:extLst>
+  </p:cSld>
+  <p:clrMapOvr>
+    <a:masterClrMapping/>
+  </p:clrMapOvr>
+</p:notes>
+</file>
+
+<file path=ppt/notesSlides/notesSlide2.xml><?xml version="1.0" encoding="utf-8"?>
+<p:notes xmlns:a="http://schemas.openxmlformats.org/drawingml/2006/main" xmlns:r="http://schemas.openxmlformats.org/officeDocument/2006/relationships" xmlns:p="http://schemas.openxmlformats.org/presentationml/2006/main">
+  <p:cSld>
+    <p:spTree>
+      <p:nvGrpSpPr>
+        <p:cNvPr id="1" name=""/>
+        <p:cNvGrpSpPr/>
+        <p:nvPr/>
+      </p:nvGrpSpPr>
+      <p:grpSpPr>
+        <a:xfrm>
+          <a:off x="0" y="0"/>
+          <a:ext cx="0" cy="0"/>
+          <a:chOff x="0" y="0"/>
+          <a:chExt cx="0" cy="0"/>
+        </a:xfrm>
+      </p:grpSpPr>
+      <p:sp>
+        <p:nvSpPr>
+          <p:cNvPr id="2" name="Slide Image Placeholder 1"/>
+          <p:cNvSpPr>
+            <a:spLocks noGrp="1" noRot="1" noChangeAspect="1"/>
+          </p:cNvSpPr>
+          <p:nvPr>
+            <p:ph type="sldImg"/>
+          </p:nvPr>
+        </p:nvSpPr>
+        <p:spPr/>
+      </p:sp>
+      <p:sp>
+        <p:nvSpPr>
+          <p:cNvPr id="3" name="Notes Placeholder 2"/>
+          <p:cNvSpPr>
+            <a:spLocks noGrp="1"/>
+          </p:cNvSpPr>
+          <p:nvPr>
+            <p:ph type="body" idx="1"/>
+          </p:nvPr>
+        </p:nvSpPr>
+        <p:spPr/>
+        <p:txBody>
+          <a:bodyPr/>
+          <a:lstStyle/>
+          <a:p>
+            <a:r>
+              <a:rPr lang="en-US" dirty="0" smtClean="0"/>
+              <a:t>You add a “header” section where you’re going to put a lot of stuff, like scripts. And you add the “body”,</a:t>
+            </a:r>
+            <a:r>
+              <a:rPr lang="en-US" baseline="0" dirty="0" smtClean="0"/>
+              <a:t> which is where all the stuff that is seen on screen goes. At the top of the body we ask the initialize </a:t>
+            </a:r>
+            <a:r>
+              <a:rPr lang="en-US" baseline="0" dirty="0" err="1" smtClean="0"/>
+              <a:t>Javascript</a:t>
+            </a:r>
+            <a:r>
+              <a:rPr lang="en-US" baseline="0" dirty="0" smtClean="0"/>
+              <a:t> function to fire after the body loads. Google recommends a slightly different approach now but this still works.</a:t>
+            </a:r>
+            <a:endParaRPr lang="en-US" dirty="0"/>
+          </a:p>
+        </p:txBody>
+      </p:sp>
+      <p:sp>
+        <p:nvSpPr>
+          <p:cNvPr id="4" name="Slide Number Placeholder 3"/>
+          <p:cNvSpPr>
+            <a:spLocks noGrp="1"/>
+          </p:cNvSpPr>
+          <p:nvPr>
+            <p:ph type="sldNum" sz="quarter" idx="10"/>
+          </p:nvPr>
+        </p:nvSpPr>
+        <p:spPr/>
+        <p:txBody>
+          <a:bodyPr/>
+          <a:lstStyle/>
+          <a:p>
+            <a:fld id="{09332B92-F500-4945-B331-B8D2C13E00CA}" type="slidenum">
+              <a:rPr lang="en-US" smtClean="0"/>
+              <a:t>3</a:t>
+            </a:fld>
+            <a:endParaRPr lang="en-US"/>
+          </a:p>
+        </p:txBody>
+      </p:sp>
+    </p:spTree>
+    <p:extLst>
+      <p:ext uri="{BB962C8B-B14F-4D97-AF65-F5344CB8AC3E}">
+        <p14:creationId xmlns:p14="http://schemas.microsoft.com/office/powerpoint/2010/main" val="778755676"/>
+      </p:ext>
+    </p:extLst>
+  </p:cSld>
+  <p:clrMapOvr>
+    <a:masterClrMapping/>
+  </p:clrMapOvr>
+</p:notes>
+</file>
+
+<file path=ppt/notesSlides/notesSlide3.xml><?xml version="1.0" encoding="utf-8"?>
+<p:notes xmlns:a="http://schemas.openxmlformats.org/drawingml/2006/main" xmlns:r="http://schemas.openxmlformats.org/officeDocument/2006/relationships" xmlns:p="http://schemas.openxmlformats.org/presentationml/2006/main">
+  <p:cSld>
+    <p:spTree>
+      <p:nvGrpSpPr>
+        <p:cNvPr id="1" name=""/>
+        <p:cNvGrpSpPr/>
+        <p:nvPr/>
+      </p:nvGrpSpPr>
+      <p:grpSpPr>
+        <a:xfrm>
+          <a:off x="0" y="0"/>
+          <a:ext cx="0" cy="0"/>
+          <a:chOff x="0" y="0"/>
+          <a:chExt cx="0" cy="0"/>
+        </a:xfrm>
+      </p:grpSpPr>
+      <p:sp>
+        <p:nvSpPr>
+          <p:cNvPr id="2" name="Slide Image Placeholder 1"/>
+          <p:cNvSpPr>
+            <a:spLocks noGrp="1" noRot="1" noChangeAspect="1"/>
+          </p:cNvSpPr>
+          <p:nvPr>
+            <p:ph type="sldImg"/>
+          </p:nvPr>
+        </p:nvSpPr>
+        <p:spPr/>
+      </p:sp>
+      <p:sp>
+        <p:nvSpPr>
+          <p:cNvPr id="3" name="Notes Placeholder 2"/>
+          <p:cNvSpPr>
+            <a:spLocks noGrp="1"/>
+          </p:cNvSpPr>
+          <p:nvPr>
+            <p:ph type="body" idx="1"/>
+          </p:nvPr>
+        </p:nvSpPr>
+        <p:spPr/>
+        <p:txBody>
+          <a:bodyPr/>
+          <a:lstStyle/>
+          <a:p>
+            <a:r>
+              <a:rPr lang="en-US" dirty="0" smtClean="0"/>
+              <a:t>Inside the header</a:t>
+            </a:r>
+            <a:r>
+              <a:rPr lang="en-US" baseline="0" dirty="0" smtClean="0"/>
+              <a:t> we put the bootstrap to the Google Maps API and our own script.</a:t>
+            </a:r>
+            <a:endParaRPr lang="en-US" dirty="0"/>
+          </a:p>
+        </p:txBody>
+      </p:sp>
+      <p:sp>
+        <p:nvSpPr>
+          <p:cNvPr id="4" name="Slide Number Placeholder 3"/>
+          <p:cNvSpPr>
+            <a:spLocks noGrp="1"/>
+          </p:cNvSpPr>
+          <p:nvPr>
+            <p:ph type="sldNum" sz="quarter" idx="10"/>
+          </p:nvPr>
+        </p:nvSpPr>
+        <p:spPr/>
+        <p:txBody>
+          <a:bodyPr/>
+          <a:lstStyle/>
+          <a:p>
+            <a:fld id="{09332B92-F500-4945-B331-B8D2C13E00CA}" type="slidenum">
+              <a:rPr lang="en-US" smtClean="0"/>
+              <a:t>4</a:t>
+            </a:fld>
+            <a:endParaRPr lang="en-US"/>
+          </a:p>
+        </p:txBody>
+      </p:sp>
+    </p:spTree>
+    <p:extLst>
+      <p:ext uri="{BB962C8B-B14F-4D97-AF65-F5344CB8AC3E}">
+        <p14:creationId xmlns:p14="http://schemas.microsoft.com/office/powerpoint/2010/main" val="2259215372"/>
+      </p:ext>
+    </p:extLst>
+  </p:cSld>
+  <p:clrMapOvr>
+    <a:masterClrMapping/>
+  </p:clrMapOvr>
+</p:notes>
+</file>
+
+<file path=ppt/notesSlides/notesSlide4.xml><?xml version="1.0" encoding="utf-8"?>
+<p:notes xmlns:a="http://schemas.openxmlformats.org/drawingml/2006/main" xmlns:r="http://schemas.openxmlformats.org/officeDocument/2006/relationships" xmlns:p="http://schemas.openxmlformats.org/presentationml/2006/main">
+  <p:cSld>
+    <p:spTree>
+      <p:nvGrpSpPr>
+        <p:cNvPr id="1" name=""/>
+        <p:cNvGrpSpPr/>
+        <p:nvPr/>
+      </p:nvGrpSpPr>
+      <p:grpSpPr>
+        <a:xfrm>
+          <a:off x="0" y="0"/>
+          <a:ext cx="0" cy="0"/>
+          <a:chOff x="0" y="0"/>
+          <a:chExt cx="0" cy="0"/>
+        </a:xfrm>
+      </p:grpSpPr>
+      <p:sp>
+        <p:nvSpPr>
+          <p:cNvPr id="2" name="Slide Image Placeholder 1"/>
+          <p:cNvSpPr>
+            <a:spLocks noGrp="1" noRot="1" noChangeAspect="1"/>
+          </p:cNvSpPr>
+          <p:nvPr>
+            <p:ph type="sldImg"/>
+          </p:nvPr>
+        </p:nvSpPr>
+        <p:spPr/>
+      </p:sp>
+      <p:sp>
+        <p:nvSpPr>
+          <p:cNvPr id="3" name="Notes Placeholder 2"/>
+          <p:cNvSpPr>
+            <a:spLocks noGrp="1"/>
+          </p:cNvSpPr>
+          <p:nvPr>
+            <p:ph type="body" idx="1"/>
+          </p:nvPr>
+        </p:nvSpPr>
+        <p:spPr/>
+        <p:txBody>
+          <a:bodyPr/>
+          <a:lstStyle/>
+          <a:p>
+            <a:r>
+              <a:rPr lang="en-US" dirty="0" smtClean="0"/>
+              <a:t>In the body</a:t>
+            </a:r>
+            <a:r>
+              <a:rPr lang="en-US" baseline="0" dirty="0" smtClean="0"/>
+              <a:t> we just have two “</a:t>
+            </a:r>
+            <a:r>
+              <a:rPr lang="en-US" baseline="0" dirty="0" err="1" smtClean="0"/>
+              <a:t>divs</a:t>
+            </a:r>
+            <a:r>
+              <a:rPr lang="en-US" baseline="0" dirty="0" smtClean="0"/>
+              <a:t>”, a </a:t>
+            </a:r>
+            <a:r>
+              <a:rPr lang="en-US" baseline="0" dirty="0" err="1" smtClean="0"/>
+              <a:t>map_canvas</a:t>
+            </a:r>
+            <a:r>
+              <a:rPr lang="en-US" baseline="0" dirty="0" smtClean="0"/>
+              <a:t> and details where we’ll put everything else we might want.</a:t>
+            </a:r>
+            <a:endParaRPr lang="en-US" dirty="0"/>
+          </a:p>
+        </p:txBody>
+      </p:sp>
+      <p:sp>
+        <p:nvSpPr>
+          <p:cNvPr id="4" name="Slide Number Placeholder 3"/>
+          <p:cNvSpPr>
+            <a:spLocks noGrp="1"/>
+          </p:cNvSpPr>
+          <p:nvPr>
+            <p:ph type="sldNum" sz="quarter" idx="10"/>
+          </p:nvPr>
+        </p:nvSpPr>
+        <p:spPr/>
+        <p:txBody>
+          <a:bodyPr/>
+          <a:lstStyle/>
+          <a:p>
+            <a:fld id="{09332B92-F500-4945-B331-B8D2C13E00CA}" type="slidenum">
+              <a:rPr lang="en-US" smtClean="0"/>
+              <a:t>5</a:t>
+            </a:fld>
+            <a:endParaRPr lang="en-US"/>
+          </a:p>
+        </p:txBody>
+      </p:sp>
+    </p:spTree>
+    <p:extLst>
+      <p:ext uri="{BB962C8B-B14F-4D97-AF65-F5344CB8AC3E}">
+        <p14:creationId xmlns:p14="http://schemas.microsoft.com/office/powerpoint/2010/main" val="139882933"/>
+      </p:ext>
+    </p:extLst>
+  </p:cSld>
+  <p:clrMapOvr>
+    <a:masterClrMapping/>
+  </p:clrMapOvr>
+</p:notes>
+</file>
+
+<file path=ppt/notesSlides/notesSlide5.xml><?xml version="1.0" encoding="utf-8"?>
+<p:notes xmlns:a="http://schemas.openxmlformats.org/drawingml/2006/main" xmlns:r="http://schemas.openxmlformats.org/officeDocument/2006/relationships" xmlns:p="http://schemas.openxmlformats.org/presentationml/2006/main">
+  <p:cSld>
+    <p:spTree>
+      <p:nvGrpSpPr>
+        <p:cNvPr id="1" name=""/>
+        <p:cNvGrpSpPr/>
+        <p:nvPr/>
+      </p:nvGrpSpPr>
+      <p:grpSpPr>
+        <a:xfrm>
+          <a:off x="0" y="0"/>
+          <a:ext cx="0" cy="0"/>
+          <a:chOff x="0" y="0"/>
+          <a:chExt cx="0" cy="0"/>
+        </a:xfrm>
+      </p:grpSpPr>
+      <p:sp>
+        <p:nvSpPr>
+          <p:cNvPr id="2" name="Slide Image Placeholder 1"/>
+          <p:cNvSpPr>
+            <a:spLocks noGrp="1" noRot="1" noChangeAspect="1"/>
+          </p:cNvSpPr>
+          <p:nvPr>
+            <p:ph type="sldImg"/>
+          </p:nvPr>
+        </p:nvSpPr>
+        <p:spPr/>
+      </p:sp>
+      <p:sp>
+        <p:nvSpPr>
+          <p:cNvPr id="3" name="Notes Placeholder 2"/>
+          <p:cNvSpPr>
+            <a:spLocks noGrp="1"/>
+          </p:cNvSpPr>
+          <p:nvPr>
+            <p:ph type="body" idx="1"/>
+          </p:nvPr>
+        </p:nvSpPr>
+        <p:spPr/>
+        <p:txBody>
+          <a:bodyPr/>
+          <a:lstStyle/>
+          <a:p>
+            <a:r>
+              <a:rPr lang="en-US" dirty="0" smtClean="0"/>
               <a:t>The curly braces are important! If I</a:t>
             </a:r>
             <a:r>
               <a:rPr lang="en-US" baseline="0" dirty="0" smtClean="0"/>
-              <a:t> say “inside the function”, you have to be inside the braces. Same for if I say “before the function” or “after the function”.</a:t>
+              <a:t> say “inside the function”, you have to be inside the braces. </a:t>
+            </a:r>
+            <a:r>
+              <a:rPr lang="en-US" baseline="0" dirty="0" smtClean="0"/>
+              <a:t>And it’s the converse if </a:t>
+            </a:r>
+            <a:r>
+              <a:rPr lang="en-US" baseline="0" dirty="0" smtClean="0"/>
+              <a:t>I say “before the function” or “after the function</a:t>
+            </a:r>
+            <a:r>
+              <a:rPr lang="en-US" baseline="0" dirty="0" smtClean="0"/>
+              <a:t>” – go OUTSIDE the braces in those cases.</a:t>
             </a:r>
             <a:endParaRPr lang="en-US" dirty="0"/>
           </a:p>
@@ -559,6 +1431,378 @@
     <p:extLst>
       <p:ext uri="{BB962C8B-B14F-4D97-AF65-F5344CB8AC3E}">
         <p14:creationId xmlns:p14="http://schemas.microsoft.com/office/powerpoint/2010/main" val="2298629005"/>
+      </p:ext>
+    </p:extLst>
+  </p:cSld>
+  <p:clrMapOvr>
+    <a:masterClrMapping/>
+  </p:clrMapOvr>
+</p:notes>
+</file>
+
+<file path=ppt/notesSlides/notesSlide6.xml><?xml version="1.0" encoding="utf-8"?>
+<p:notes xmlns:a="http://schemas.openxmlformats.org/drawingml/2006/main" xmlns:r="http://schemas.openxmlformats.org/officeDocument/2006/relationships" xmlns:p="http://schemas.openxmlformats.org/presentationml/2006/main">
+  <p:cSld>
+    <p:spTree>
+      <p:nvGrpSpPr>
+        <p:cNvPr id="1" name=""/>
+        <p:cNvGrpSpPr/>
+        <p:nvPr/>
+      </p:nvGrpSpPr>
+      <p:grpSpPr>
+        <a:xfrm>
+          <a:off x="0" y="0"/>
+          <a:ext cx="0" cy="0"/>
+          <a:chOff x="0" y="0"/>
+          <a:chExt cx="0" cy="0"/>
+        </a:xfrm>
+      </p:grpSpPr>
+      <p:sp>
+        <p:nvSpPr>
+          <p:cNvPr id="2" name="Slide Image Placeholder 1"/>
+          <p:cNvSpPr>
+            <a:spLocks noGrp="1" noRot="1" noChangeAspect="1"/>
+          </p:cNvSpPr>
+          <p:nvPr>
+            <p:ph type="sldImg"/>
+          </p:nvPr>
+        </p:nvSpPr>
+        <p:spPr/>
+      </p:sp>
+      <p:sp>
+        <p:nvSpPr>
+          <p:cNvPr id="3" name="Notes Placeholder 2"/>
+          <p:cNvSpPr>
+            <a:spLocks noGrp="1"/>
+          </p:cNvSpPr>
+          <p:nvPr>
+            <p:ph type="body" idx="1"/>
+          </p:nvPr>
+        </p:nvSpPr>
+        <p:spPr/>
+        <p:txBody>
+          <a:bodyPr/>
+          <a:lstStyle/>
+          <a:p>
+            <a:r>
+              <a:rPr lang="en-US" dirty="0" smtClean="0"/>
+              <a:t>Here we show the very simple creation of a map,</a:t>
+            </a:r>
+            <a:r>
+              <a:rPr lang="en-US" baseline="0" dirty="0" smtClean="0"/>
+              <a:t> including the center point, the zoom level, and the type. You can get the “old” type choices if you really want but the latest have been very easy to work with.</a:t>
+            </a:r>
+            <a:endParaRPr lang="en-US" dirty="0"/>
+          </a:p>
+        </p:txBody>
+      </p:sp>
+      <p:sp>
+        <p:nvSpPr>
+          <p:cNvPr id="4" name="Slide Number Placeholder 3"/>
+          <p:cNvSpPr>
+            <a:spLocks noGrp="1"/>
+          </p:cNvSpPr>
+          <p:nvPr>
+            <p:ph type="sldNum" sz="quarter" idx="10"/>
+          </p:nvPr>
+        </p:nvSpPr>
+        <p:spPr/>
+        <p:txBody>
+          <a:bodyPr/>
+          <a:lstStyle/>
+          <a:p>
+            <a:fld id="{09332B92-F500-4945-B331-B8D2C13E00CA}" type="slidenum">
+              <a:rPr lang="en-US" smtClean="0"/>
+              <a:t>8</a:t>
+            </a:fld>
+            <a:endParaRPr lang="en-US"/>
+          </a:p>
+        </p:txBody>
+      </p:sp>
+    </p:spTree>
+    <p:extLst>
+      <p:ext uri="{BB962C8B-B14F-4D97-AF65-F5344CB8AC3E}">
+        <p14:creationId xmlns:p14="http://schemas.microsoft.com/office/powerpoint/2010/main" val="898844050"/>
+      </p:ext>
+    </p:extLst>
+  </p:cSld>
+  <p:clrMapOvr>
+    <a:masterClrMapping/>
+  </p:clrMapOvr>
+</p:notes>
+</file>
+
+<file path=ppt/notesSlides/notesSlide7.xml><?xml version="1.0" encoding="utf-8"?>
+<p:notes xmlns:a="http://schemas.openxmlformats.org/drawingml/2006/main" xmlns:r="http://schemas.openxmlformats.org/officeDocument/2006/relationships" xmlns:p="http://schemas.openxmlformats.org/presentationml/2006/main">
+  <p:cSld>
+    <p:spTree>
+      <p:nvGrpSpPr>
+        <p:cNvPr id="1" name=""/>
+        <p:cNvGrpSpPr/>
+        <p:nvPr/>
+      </p:nvGrpSpPr>
+      <p:grpSpPr>
+        <a:xfrm>
+          <a:off x="0" y="0"/>
+          <a:ext cx="0" cy="0"/>
+          <a:chOff x="0" y="0"/>
+          <a:chExt cx="0" cy="0"/>
+        </a:xfrm>
+      </p:grpSpPr>
+      <p:sp>
+        <p:nvSpPr>
+          <p:cNvPr id="2" name="Slide Image Placeholder 1"/>
+          <p:cNvSpPr>
+            <a:spLocks noGrp="1" noRot="1" noChangeAspect="1"/>
+          </p:cNvSpPr>
+          <p:nvPr>
+            <p:ph type="sldImg"/>
+          </p:nvPr>
+        </p:nvSpPr>
+        <p:spPr/>
+      </p:sp>
+      <p:sp>
+        <p:nvSpPr>
+          <p:cNvPr id="3" name="Notes Placeholder 2"/>
+          <p:cNvSpPr>
+            <a:spLocks noGrp="1"/>
+          </p:cNvSpPr>
+          <p:nvPr>
+            <p:ph type="body" idx="1"/>
+          </p:nvPr>
+        </p:nvSpPr>
+        <p:spPr/>
+        <p:txBody>
+          <a:bodyPr/>
+          <a:lstStyle/>
+          <a:p>
+            <a:r>
+              <a:rPr lang="en-US" dirty="0" smtClean="0"/>
+              <a:t>This function places</a:t>
+            </a:r>
+            <a:r>
+              <a:rPr lang="en-US" baseline="0" dirty="0" smtClean="0"/>
+              <a:t> a marker on the map</a:t>
+            </a:r>
+            <a:endParaRPr lang="en-US" dirty="0"/>
+          </a:p>
+        </p:txBody>
+      </p:sp>
+      <p:sp>
+        <p:nvSpPr>
+          <p:cNvPr id="4" name="Slide Number Placeholder 3"/>
+          <p:cNvSpPr>
+            <a:spLocks noGrp="1"/>
+          </p:cNvSpPr>
+          <p:nvPr>
+            <p:ph type="sldNum" sz="quarter" idx="10"/>
+          </p:nvPr>
+        </p:nvSpPr>
+        <p:spPr/>
+        <p:txBody>
+          <a:bodyPr/>
+          <a:lstStyle/>
+          <a:p>
+            <a:fld id="{09332B92-F500-4945-B331-B8D2C13E00CA}" type="slidenum">
+              <a:rPr lang="en-US" smtClean="0"/>
+              <a:t>9</a:t>
+            </a:fld>
+            <a:endParaRPr lang="en-US"/>
+          </a:p>
+        </p:txBody>
+      </p:sp>
+    </p:spTree>
+    <p:extLst>
+      <p:ext uri="{BB962C8B-B14F-4D97-AF65-F5344CB8AC3E}">
+        <p14:creationId xmlns:p14="http://schemas.microsoft.com/office/powerpoint/2010/main" val="343212155"/>
+      </p:ext>
+    </p:extLst>
+  </p:cSld>
+  <p:clrMapOvr>
+    <a:masterClrMapping/>
+  </p:clrMapOvr>
+</p:notes>
+</file>
+
+<file path=ppt/notesSlides/notesSlide8.xml><?xml version="1.0" encoding="utf-8"?>
+<p:notes xmlns:a="http://schemas.openxmlformats.org/drawingml/2006/main" xmlns:r="http://schemas.openxmlformats.org/officeDocument/2006/relationships" xmlns:p="http://schemas.openxmlformats.org/presentationml/2006/main">
+  <p:cSld>
+    <p:spTree>
+      <p:nvGrpSpPr>
+        <p:cNvPr id="1" name=""/>
+        <p:cNvGrpSpPr/>
+        <p:nvPr/>
+      </p:nvGrpSpPr>
+      <p:grpSpPr>
+        <a:xfrm>
+          <a:off x="0" y="0"/>
+          <a:ext cx="0" cy="0"/>
+          <a:chOff x="0" y="0"/>
+          <a:chExt cx="0" cy="0"/>
+        </a:xfrm>
+      </p:grpSpPr>
+      <p:sp>
+        <p:nvSpPr>
+          <p:cNvPr id="2" name="Slide Image Placeholder 1"/>
+          <p:cNvSpPr>
+            <a:spLocks noGrp="1" noRot="1" noChangeAspect="1"/>
+          </p:cNvSpPr>
+          <p:nvPr>
+            <p:ph type="sldImg"/>
+          </p:nvPr>
+        </p:nvSpPr>
+        <p:spPr/>
+      </p:sp>
+      <p:sp>
+        <p:nvSpPr>
+          <p:cNvPr id="3" name="Notes Placeholder 2"/>
+          <p:cNvSpPr>
+            <a:spLocks noGrp="1"/>
+          </p:cNvSpPr>
+          <p:nvPr>
+            <p:ph type="body" idx="1"/>
+          </p:nvPr>
+        </p:nvSpPr>
+        <p:spPr/>
+        <p:txBody>
+          <a:bodyPr/>
+          <a:lstStyle/>
+          <a:p>
+            <a:r>
+              <a:rPr lang="en-US" dirty="0" smtClean="0"/>
+              <a:t>This shows</a:t>
+            </a:r>
+            <a:r>
+              <a:rPr lang="en-US" baseline="0" dirty="0" smtClean="0"/>
+              <a:t> a new variable and a new listener on a marker</a:t>
+            </a:r>
+            <a:endParaRPr lang="en-US" dirty="0"/>
+          </a:p>
+        </p:txBody>
+      </p:sp>
+      <p:sp>
+        <p:nvSpPr>
+          <p:cNvPr id="4" name="Slide Number Placeholder 3"/>
+          <p:cNvSpPr>
+            <a:spLocks noGrp="1"/>
+          </p:cNvSpPr>
+          <p:nvPr>
+            <p:ph type="sldNum" sz="quarter" idx="10"/>
+          </p:nvPr>
+        </p:nvSpPr>
+        <p:spPr/>
+        <p:txBody>
+          <a:bodyPr/>
+          <a:lstStyle/>
+          <a:p>
+            <a:fld id="{09332B92-F500-4945-B331-B8D2C13E00CA}" type="slidenum">
+              <a:rPr lang="en-US" smtClean="0"/>
+              <a:t>10</a:t>
+            </a:fld>
+            <a:endParaRPr lang="en-US"/>
+          </a:p>
+        </p:txBody>
+      </p:sp>
+    </p:spTree>
+    <p:extLst>
+      <p:ext uri="{BB962C8B-B14F-4D97-AF65-F5344CB8AC3E}">
+        <p14:creationId xmlns:p14="http://schemas.microsoft.com/office/powerpoint/2010/main" val="1721783775"/>
+      </p:ext>
+    </p:extLst>
+  </p:cSld>
+  <p:clrMapOvr>
+    <a:masterClrMapping/>
+  </p:clrMapOvr>
+</p:notes>
+</file>
+
+<file path=ppt/notesSlides/notesSlide9.xml><?xml version="1.0" encoding="utf-8"?>
+<p:notes xmlns:a="http://schemas.openxmlformats.org/drawingml/2006/main" xmlns:r="http://schemas.openxmlformats.org/officeDocument/2006/relationships" xmlns:p="http://schemas.openxmlformats.org/presentationml/2006/main">
+  <p:cSld>
+    <p:spTree>
+      <p:nvGrpSpPr>
+        <p:cNvPr id="1" name=""/>
+        <p:cNvGrpSpPr/>
+        <p:nvPr/>
+      </p:nvGrpSpPr>
+      <p:grpSpPr>
+        <a:xfrm>
+          <a:off x="0" y="0"/>
+          <a:ext cx="0" cy="0"/>
+          <a:chOff x="0" y="0"/>
+          <a:chExt cx="0" cy="0"/>
+        </a:xfrm>
+      </p:grpSpPr>
+      <p:sp>
+        <p:nvSpPr>
+          <p:cNvPr id="2" name="Slide Image Placeholder 1"/>
+          <p:cNvSpPr>
+            <a:spLocks noGrp="1" noRot="1" noChangeAspect="1"/>
+          </p:cNvSpPr>
+          <p:nvPr>
+            <p:ph type="sldImg"/>
+          </p:nvPr>
+        </p:nvSpPr>
+        <p:spPr/>
+      </p:sp>
+      <p:sp>
+        <p:nvSpPr>
+          <p:cNvPr id="3" name="Notes Placeholder 2"/>
+          <p:cNvSpPr>
+            <a:spLocks noGrp="1"/>
+          </p:cNvSpPr>
+          <p:nvPr>
+            <p:ph type="body" idx="1"/>
+          </p:nvPr>
+        </p:nvSpPr>
+        <p:spPr/>
+        <p:txBody>
+          <a:bodyPr/>
+          <a:lstStyle/>
+          <a:p>
+            <a:r>
+              <a:rPr lang="en-US" dirty="0" smtClean="0"/>
+              <a:t>Here’s a whole bunch</a:t>
+            </a:r>
+            <a:r>
+              <a:rPr lang="en-US" baseline="0" dirty="0" smtClean="0"/>
+              <a:t> of HTML converted to </a:t>
+            </a:r>
+            <a:r>
+              <a:rPr lang="en-US" baseline="0" dirty="0" err="1" smtClean="0"/>
+              <a:t>Javascript</a:t>
+            </a:r>
+            <a:endParaRPr lang="en-US" dirty="0"/>
+          </a:p>
+        </p:txBody>
+      </p:sp>
+      <p:sp>
+        <p:nvSpPr>
+          <p:cNvPr id="4" name="Slide Number Placeholder 3"/>
+          <p:cNvSpPr>
+            <a:spLocks noGrp="1"/>
+          </p:cNvSpPr>
+          <p:nvPr>
+            <p:ph type="sldNum" sz="quarter" idx="10"/>
+          </p:nvPr>
+        </p:nvSpPr>
+        <p:spPr/>
+        <p:txBody>
+          <a:bodyPr/>
+          <a:lstStyle/>
+          <a:p>
+            <a:fld id="{09332B92-F500-4945-B331-B8D2C13E00CA}" type="slidenum">
+              <a:rPr lang="en-US" smtClean="0"/>
+              <a:t>11</a:t>
+            </a:fld>
+            <a:endParaRPr lang="en-US"/>
+          </a:p>
+        </p:txBody>
+      </p:sp>
+    </p:spTree>
+    <p:extLst>
+      <p:ext uri="{BB962C8B-B14F-4D97-AF65-F5344CB8AC3E}">
+        <p14:creationId xmlns:p14="http://schemas.microsoft.com/office/powerpoint/2010/main" val="249019247"/>
       </p:ext>
     </p:extLst>
   </p:cSld>
@@ -860,7 +2104,7 @@
           <a:p>
             <a:fld id="{0E2A55ED-DD07-4463-BF52-CBAFC7E1266F}" type="datetimeFigureOut">
               <a:rPr lang="en-US" smtClean="0"/>
-              <a:t>9/25/2012</a:t>
+              <a:t>5/8/2013</a:t>
             </a:fld>
             <a:endParaRPr lang="en-US"/>
           </a:p>
@@ -1032,7 +2276,7 @@
           <a:p>
             <a:fld id="{0E2A55ED-DD07-4463-BF52-CBAFC7E1266F}" type="datetimeFigureOut">
               <a:rPr lang="en-US" smtClean="0"/>
-              <a:t>9/25/2012</a:t>
+              <a:t>5/8/2013</a:t>
             </a:fld>
             <a:endParaRPr lang="en-US"/>
           </a:p>
@@ -1214,7 +2458,7 @@
           <a:p>
             <a:fld id="{0E2A55ED-DD07-4463-BF52-CBAFC7E1266F}" type="datetimeFigureOut">
               <a:rPr lang="en-US" smtClean="0"/>
-              <a:t>9/25/2012</a:t>
+              <a:t>5/8/2013</a:t>
             </a:fld>
             <a:endParaRPr lang="en-US"/>
           </a:p>
@@ -1391,7 +2635,7 @@
           <a:p>
             <a:fld id="{0E2A55ED-DD07-4463-BF52-CBAFC7E1266F}" type="datetimeFigureOut">
               <a:rPr lang="en-US" smtClean="0"/>
-              <a:t>9/25/2012</a:t>
+              <a:t>5/8/2013</a:t>
             </a:fld>
             <a:endParaRPr lang="en-US"/>
           </a:p>
@@ -1515,7 +2759,7 @@
           <a:p>
             <a:fld id="{0E2A55ED-DD07-4463-BF52-CBAFC7E1266F}" type="datetimeFigureOut">
               <a:rPr lang="en-US" smtClean="0"/>
-              <a:t>9/25/2012</a:t>
+              <a:t>5/8/2013</a:t>
             </a:fld>
             <a:endParaRPr lang="en-US"/>
           </a:p>
@@ -1794,7 +3038,7 @@
           <a:p>
             <a:fld id="{0E2A55ED-DD07-4463-BF52-CBAFC7E1266F}" type="datetimeFigureOut">
               <a:rPr lang="en-US" smtClean="0"/>
-              <a:t>9/25/2012</a:t>
+              <a:t>5/8/2013</a:t>
             </a:fld>
             <a:endParaRPr lang="en-US"/>
           </a:p>
@@ -2063,7 +3307,7 @@
           <a:p>
             <a:fld id="{0E2A55ED-DD07-4463-BF52-CBAFC7E1266F}" type="datetimeFigureOut">
               <a:rPr lang="en-US" smtClean="0"/>
-              <a:t>9/25/2012</a:t>
+              <a:t>5/8/2013</a:t>
             </a:fld>
             <a:endParaRPr lang="en-US"/>
           </a:p>
@@ -2517,7 +3761,7 @@
           <a:p>
             <a:fld id="{0E2A55ED-DD07-4463-BF52-CBAFC7E1266F}" type="datetimeFigureOut">
               <a:rPr lang="en-US" smtClean="0"/>
-              <a:t>9/25/2012</a:t>
+              <a:t>5/8/2013</a:t>
             </a:fld>
             <a:endParaRPr lang="en-US"/>
           </a:p>
@@ -2637,7 +3881,7 @@
           <a:p>
             <a:fld id="{0E2A55ED-DD07-4463-BF52-CBAFC7E1266F}" type="datetimeFigureOut">
               <a:rPr lang="en-US" smtClean="0"/>
-              <a:t>9/25/2012</a:t>
+              <a:t>5/8/2013</a:t>
             </a:fld>
             <a:endParaRPr lang="en-US"/>
           </a:p>
@@ -2894,7 +4138,7 @@
           <a:p>
             <a:fld id="{0E2A55ED-DD07-4463-BF52-CBAFC7E1266F}" type="datetimeFigureOut">
               <a:rPr lang="en-US" smtClean="0"/>
-              <a:t>9/25/2012</a:t>
+              <a:t>5/8/2013</a:t>
             </a:fld>
             <a:endParaRPr lang="en-US"/>
           </a:p>
@@ -3141,7 +4385,7 @@
           <a:p>
             <a:fld id="{0E2A55ED-DD07-4463-BF52-CBAFC7E1266F}" type="datetimeFigureOut">
               <a:rPr lang="en-US" smtClean="0"/>
-              <a:t>9/25/2012</a:t>
+              <a:t>5/8/2013</a:t>
             </a:fld>
             <a:endParaRPr lang="en-US"/>
           </a:p>
@@ -3321,7 +4565,7 @@
           <a:p>
             <a:fld id="{0E2A55ED-DD07-4463-BF52-CBAFC7E1266F}" type="datetimeFigureOut">
               <a:rPr lang="en-US" smtClean="0"/>
-              <a:t>9/25/2012</a:t>
+              <a:t>5/8/2013</a:t>
             </a:fld>
             <a:endParaRPr lang="en-US"/>
           </a:p>
@@ -4902,7 +6146,7 @@
           <p:nvPr/>
         </p:nvPicPr>
         <p:blipFill>
-          <a:blip r:embed="rId2">
+          <a:blip r:embed="rId3">
             <a:extLst>
               <a:ext uri="{28A0092B-C50C-407E-A947-70E740481C1C}">
                 <a14:useLocalDpi xmlns:a14="http://schemas.microsoft.com/office/drawing/2010/main" val="0"/>
@@ -5011,7 +6255,7 @@
           <p:nvPr/>
         </p:nvPicPr>
         <p:blipFill>
-          <a:blip r:embed="rId2">
+          <a:blip r:embed="rId3">
             <a:extLst>
               <a:ext uri="{28A0092B-C50C-407E-A947-70E740481C1C}">
                 <a14:useLocalDpi xmlns:a14="http://schemas.microsoft.com/office/drawing/2010/main" val="0"/>
@@ -5772,7 +7016,7 @@
           <p:nvPr/>
         </p:nvPicPr>
         <p:blipFill rotWithShape="1">
-          <a:blip r:embed="rId2">
+          <a:blip r:embed="rId3">
             <a:extLst>
               <a:ext uri="{28A0092B-C50C-407E-A947-70E740481C1C}">
                 <a14:useLocalDpi xmlns:a14="http://schemas.microsoft.com/office/drawing/2010/main" val="0"/>
@@ -5880,7 +7124,7 @@
         </p:spPr>
         <p:txBody>
           <a:bodyPr>
-            <a:normAutofit fontScale="92500" lnSpcReduction="10000"/>
+            <a:normAutofit fontScale="92500" lnSpcReduction="20000"/>
           </a:bodyPr>
           <a:lstStyle/>
           <a:p>
@@ -5901,7 +7145,26 @@
             </a:pPr>
             <a:r>
               <a:rPr lang="en-US" dirty="0" smtClean="0"/>
-              <a:t>After each step, Save</a:t>
+              <a:t>Open files in Notepad, </a:t>
+            </a:r>
+            <a:r>
+              <a:rPr lang="en-US" dirty="0" err="1" smtClean="0"/>
+              <a:t>etc</a:t>
+            </a:r>
+            <a:endParaRPr lang="en-US" dirty="0" smtClean="0"/>
+          </a:p>
+          <a:p>
+            <a:pPr marL="571500" indent="-571500">
+              <a:buFont typeface="Arial" pitchFamily="34" charset="0"/>
+              <a:buChar char="•"/>
+            </a:pPr>
+            <a:r>
+              <a:rPr lang="en-US" dirty="0" smtClean="0"/>
+              <a:t>After </a:t>
+            </a:r>
+            <a:r>
+              <a:rPr lang="en-US" dirty="0" smtClean="0"/>
+              <a:t>each step, Save</a:t>
             </a:r>
           </a:p>
           <a:p>
@@ -6145,13 +7408,13 @@
           <a:p>
             <a:r>
               <a:rPr lang="en-US" dirty="0">
-                <a:hlinkClick r:id="rId2"/>
+                <a:hlinkClick r:id="rId3"/>
               </a:rPr>
               <a:t>http://</a:t>
             </a:r>
             <a:r>
               <a:rPr lang="en-US" dirty="0" smtClean="0">
-                <a:hlinkClick r:id="rId2"/>
+                <a:hlinkClick r:id="rId3"/>
               </a:rPr>
               <a:t>www.dnr.state.mn.us/waters/csg/index.html</a:t>
             </a:r>
@@ -6221,11 +7484,15 @@
           <a:p>
             <a:r>
               <a:rPr lang="en-US" dirty="0" smtClean="0"/>
-              <a:t>Stream </a:t>
-            </a:r>
-            <a:r>
-              <a:rPr lang="en-US" smtClean="0"/>
-              <a:t>Gage Data (Step 2)</a:t>
+              <a:t>Stream Gage Data </a:t>
+            </a:r>
+            <a:r>
+              <a:rPr lang="en-US" dirty="0" smtClean="0"/>
+              <a:t>(Ex1, Step </a:t>
+            </a:r>
+            <a:r>
+              <a:rPr lang="en-US" dirty="0" smtClean="0"/>
+              <a:t>2)</a:t>
             </a:r>
             <a:endParaRPr lang="en-US" dirty="0"/>
           </a:p>
@@ -7942,7 +9209,7 @@
           <p:nvPr/>
         </p:nvPicPr>
         <p:blipFill>
-          <a:blip r:embed="rId2">
+          <a:blip r:embed="rId3">
             <a:extLst>
               <a:ext uri="{28A0092B-C50C-407E-A947-70E740481C1C}">
                 <a14:useLocalDpi xmlns:a14="http://schemas.microsoft.com/office/drawing/2010/main" val="0"/>
@@ -8006,7 +9273,7 @@
           <p:nvPr/>
         </p:nvPicPr>
         <p:blipFill>
-          <a:blip r:embed="rId3">
+          <a:blip r:embed="rId4">
             <a:extLst>
               <a:ext uri="{28A0092B-C50C-407E-A947-70E740481C1C}">
                 <a14:useLocalDpi xmlns:a14="http://schemas.microsoft.com/office/drawing/2010/main" val="0"/>
@@ -8249,7 +9516,7 @@
           <p:nvPr/>
         </p:nvPicPr>
         <p:blipFill>
-          <a:blip r:embed="rId2">
+          <a:blip r:embed="rId3">
             <a:extLst>
               <a:ext uri="{28A0092B-C50C-407E-A947-70E740481C1C}">
                 <a14:useLocalDpi xmlns:a14="http://schemas.microsoft.com/office/drawing/2010/main" val="0"/>

--- a/Lesson1.pptx
+++ b/Lesson1.pptx
@@ -208,7 +208,7 @@
           <a:p>
             <a:fld id="{B3E85FA4-0BF1-4624-B558-8D6F7C4705DF}" type="datetimeFigureOut">
               <a:rPr lang="en-US" smtClean="0"/>
-              <a:t>5/8/2013</a:t>
+              <a:t>5/28/2013</a:t>
             </a:fld>
             <a:endParaRPr lang="en-US"/>
           </a:p>
@@ -1386,19 +1386,7 @@
             </a:r>
             <a:r>
               <a:rPr lang="en-US" baseline="0" dirty="0" smtClean="0"/>
-              <a:t> say “inside the function”, you have to be inside the braces. </a:t>
-            </a:r>
-            <a:r>
-              <a:rPr lang="en-US" baseline="0" dirty="0" smtClean="0"/>
-              <a:t>And it’s the converse if </a:t>
-            </a:r>
-            <a:r>
-              <a:rPr lang="en-US" baseline="0" dirty="0" smtClean="0"/>
-              <a:t>I say “before the function” or “after the function</a:t>
-            </a:r>
-            <a:r>
-              <a:rPr lang="en-US" baseline="0" dirty="0" smtClean="0"/>
-              <a:t>” – go OUTSIDE the braces in those cases.</a:t>
+              <a:t> say “inside the function”, you have to be inside the braces. And it’s the converse if I say “before the function” or “after the function” – go OUTSIDE the braces in those cases.</a:t>
             </a:r>
             <a:endParaRPr lang="en-US" dirty="0"/>
           </a:p>
@@ -2104,7 +2092,7 @@
           <a:p>
             <a:fld id="{0E2A55ED-DD07-4463-BF52-CBAFC7E1266F}" type="datetimeFigureOut">
               <a:rPr lang="en-US" smtClean="0"/>
-              <a:t>5/8/2013</a:t>
+              <a:t>5/28/2013</a:t>
             </a:fld>
             <a:endParaRPr lang="en-US"/>
           </a:p>
@@ -2276,7 +2264,7 @@
           <a:p>
             <a:fld id="{0E2A55ED-DD07-4463-BF52-CBAFC7E1266F}" type="datetimeFigureOut">
               <a:rPr lang="en-US" smtClean="0"/>
-              <a:t>5/8/2013</a:t>
+              <a:t>5/28/2013</a:t>
             </a:fld>
             <a:endParaRPr lang="en-US"/>
           </a:p>
@@ -2458,7 +2446,7 @@
           <a:p>
             <a:fld id="{0E2A55ED-DD07-4463-BF52-CBAFC7E1266F}" type="datetimeFigureOut">
               <a:rPr lang="en-US" smtClean="0"/>
-              <a:t>5/8/2013</a:t>
+              <a:t>5/28/2013</a:t>
             </a:fld>
             <a:endParaRPr lang="en-US"/>
           </a:p>
@@ -2635,7 +2623,7 @@
           <a:p>
             <a:fld id="{0E2A55ED-DD07-4463-BF52-CBAFC7E1266F}" type="datetimeFigureOut">
               <a:rPr lang="en-US" smtClean="0"/>
-              <a:t>5/8/2013</a:t>
+              <a:t>5/28/2013</a:t>
             </a:fld>
             <a:endParaRPr lang="en-US"/>
           </a:p>
@@ -2759,7 +2747,7 @@
           <a:p>
             <a:fld id="{0E2A55ED-DD07-4463-BF52-CBAFC7E1266F}" type="datetimeFigureOut">
               <a:rPr lang="en-US" smtClean="0"/>
-              <a:t>5/8/2013</a:t>
+              <a:t>5/28/2013</a:t>
             </a:fld>
             <a:endParaRPr lang="en-US"/>
           </a:p>
@@ -3038,7 +3026,7 @@
           <a:p>
             <a:fld id="{0E2A55ED-DD07-4463-BF52-CBAFC7E1266F}" type="datetimeFigureOut">
               <a:rPr lang="en-US" smtClean="0"/>
-              <a:t>5/8/2013</a:t>
+              <a:t>5/28/2013</a:t>
             </a:fld>
             <a:endParaRPr lang="en-US"/>
           </a:p>
@@ -3307,7 +3295,7 @@
           <a:p>
             <a:fld id="{0E2A55ED-DD07-4463-BF52-CBAFC7E1266F}" type="datetimeFigureOut">
               <a:rPr lang="en-US" smtClean="0"/>
-              <a:t>5/8/2013</a:t>
+              <a:t>5/28/2013</a:t>
             </a:fld>
             <a:endParaRPr lang="en-US"/>
           </a:p>
@@ -3761,7 +3749,7 @@
           <a:p>
             <a:fld id="{0E2A55ED-DD07-4463-BF52-CBAFC7E1266F}" type="datetimeFigureOut">
               <a:rPr lang="en-US" smtClean="0"/>
-              <a:t>5/8/2013</a:t>
+              <a:t>5/28/2013</a:t>
             </a:fld>
             <a:endParaRPr lang="en-US"/>
           </a:p>
@@ -3881,7 +3869,7 @@
           <a:p>
             <a:fld id="{0E2A55ED-DD07-4463-BF52-CBAFC7E1266F}" type="datetimeFigureOut">
               <a:rPr lang="en-US" smtClean="0"/>
-              <a:t>5/8/2013</a:t>
+              <a:t>5/28/2013</a:t>
             </a:fld>
             <a:endParaRPr lang="en-US"/>
           </a:p>
@@ -4138,7 +4126,7 @@
           <a:p>
             <a:fld id="{0E2A55ED-DD07-4463-BF52-CBAFC7E1266F}" type="datetimeFigureOut">
               <a:rPr lang="en-US" smtClean="0"/>
-              <a:t>5/8/2013</a:t>
+              <a:t>5/28/2013</a:t>
             </a:fld>
             <a:endParaRPr lang="en-US"/>
           </a:p>
@@ -4385,7 +4373,7 @@
           <a:p>
             <a:fld id="{0E2A55ED-DD07-4463-BF52-CBAFC7E1266F}" type="datetimeFigureOut">
               <a:rPr lang="en-US" smtClean="0"/>
-              <a:t>5/8/2013</a:t>
+              <a:t>5/28/2013</a:t>
             </a:fld>
             <a:endParaRPr lang="en-US"/>
           </a:p>
@@ -4565,7 +4553,7 @@
           <a:p>
             <a:fld id="{0E2A55ED-DD07-4463-BF52-CBAFC7E1266F}" type="datetimeFigureOut">
               <a:rPr lang="en-US" smtClean="0"/>
-              <a:t>5/8/2013</a:t>
+              <a:t>5/28/2013</a:t>
             </a:fld>
             <a:endParaRPr lang="en-US"/>
           </a:p>
@@ -7160,11 +7148,7 @@
             </a:pPr>
             <a:r>
               <a:rPr lang="en-US" dirty="0" smtClean="0"/>
-              <a:t>After </a:t>
-            </a:r>
-            <a:r>
-              <a:rPr lang="en-US" dirty="0" smtClean="0"/>
-              <a:t>each step, Save</a:t>
+              <a:t>After each step, Save</a:t>
             </a:r>
           </a:p>
           <a:p>
@@ -7484,15 +7468,7 @@
           <a:p>
             <a:r>
               <a:rPr lang="en-US" dirty="0" smtClean="0"/>
-              <a:t>Stream Gage Data </a:t>
-            </a:r>
-            <a:r>
-              <a:rPr lang="en-US" dirty="0" smtClean="0"/>
-              <a:t>(Ex1, Step </a:t>
-            </a:r>
-            <a:r>
-              <a:rPr lang="en-US" dirty="0" smtClean="0"/>
-              <a:t>2)</a:t>
+              <a:t>Stream Gage Data (Ex1, Step 2)</a:t>
             </a:r>
             <a:endParaRPr lang="en-US" dirty="0"/>
           </a:p>
@@ -8616,17 +8592,14 @@
               <a:t>option2: </a:t>
             </a:r>
             <a:r>
-              <a:rPr lang="en-US" sz="2800" dirty="0" err="1">
+              <a:rPr lang="en-US" sz="2800" smtClean="0">
                 <a:solidFill>
                   <a:srgbClr val="FF0000"/>
                 </a:solidFill>
               </a:rPr>
               <a:t>latlng</a:t>
             </a:r>
-            <a:r>
-              <a:rPr lang="en-US" sz="2800" dirty="0"/>
-              <a:t>,</a:t>
-            </a:r>
+            <a:endParaRPr lang="en-US" sz="2800" dirty="0"/>
           </a:p>
           <a:p>
             <a:r>
